--- a/figure_cache/circularplot/CircularGenome.pptx
+++ b/figure_cache/circularplot/CircularGenome.pptx
@@ -104,6 +104,11 @@
       </a:defRPr>
     </a:lvl9pPr>
   </p:defaultTextStyle>
+  <p:extLst>
+    <p:ext uri="{EFAFB233-063F-42B5-8137-9DF3F51BA10A}">
+      <p15:sldGuideLst xmlns:p15="http://schemas.microsoft.com/office/powerpoint/2012/main"/>
+    </p:ext>
+  </p:extLst>
 </p:presentation>
 </file>
 
@@ -254,7 +259,7 @@
           <a:p>
             <a:fld id="{30569189-6BC7-954B-B797-3B50F58A8DD6}" type="datetimeFigureOut">
               <a:rPr lang="en-US" smtClean="0"/>
-              <a:t>6/29/18</a:t>
+              <a:t>7/2/18</a:t>
             </a:fld>
             <a:endParaRPr lang="en-US"/>
           </a:p>
@@ -452,7 +457,7 @@
           <a:p>
             <a:fld id="{30569189-6BC7-954B-B797-3B50F58A8DD6}" type="datetimeFigureOut">
               <a:rPr lang="en-US" smtClean="0"/>
-              <a:t>6/29/18</a:t>
+              <a:t>7/2/18</a:t>
             </a:fld>
             <a:endParaRPr lang="en-US"/>
           </a:p>
@@ -660,7 +665,7 @@
           <a:p>
             <a:fld id="{30569189-6BC7-954B-B797-3B50F58A8DD6}" type="datetimeFigureOut">
               <a:rPr lang="en-US" smtClean="0"/>
-              <a:t>6/29/18</a:t>
+              <a:t>7/2/18</a:t>
             </a:fld>
             <a:endParaRPr lang="en-US"/>
           </a:p>
@@ -858,7 +863,7 @@
           <a:p>
             <a:fld id="{30569189-6BC7-954B-B797-3B50F58A8DD6}" type="datetimeFigureOut">
               <a:rPr lang="en-US" smtClean="0"/>
-              <a:t>6/29/18</a:t>
+              <a:t>7/2/18</a:t>
             </a:fld>
             <a:endParaRPr lang="en-US"/>
           </a:p>
@@ -1133,7 +1138,7 @@
           <a:p>
             <a:fld id="{30569189-6BC7-954B-B797-3B50F58A8DD6}" type="datetimeFigureOut">
               <a:rPr lang="en-US" smtClean="0"/>
-              <a:t>6/29/18</a:t>
+              <a:t>7/2/18</a:t>
             </a:fld>
             <a:endParaRPr lang="en-US"/>
           </a:p>
@@ -1398,7 +1403,7 @@
           <a:p>
             <a:fld id="{30569189-6BC7-954B-B797-3B50F58A8DD6}" type="datetimeFigureOut">
               <a:rPr lang="en-US" smtClean="0"/>
-              <a:t>6/29/18</a:t>
+              <a:t>7/2/18</a:t>
             </a:fld>
             <a:endParaRPr lang="en-US"/>
           </a:p>
@@ -1810,7 +1815,7 @@
           <a:p>
             <a:fld id="{30569189-6BC7-954B-B797-3B50F58A8DD6}" type="datetimeFigureOut">
               <a:rPr lang="en-US" smtClean="0"/>
-              <a:t>6/29/18</a:t>
+              <a:t>7/2/18</a:t>
             </a:fld>
             <a:endParaRPr lang="en-US"/>
           </a:p>
@@ -1951,7 +1956,7 @@
           <a:p>
             <a:fld id="{30569189-6BC7-954B-B797-3B50F58A8DD6}" type="datetimeFigureOut">
               <a:rPr lang="en-US" smtClean="0"/>
-              <a:t>6/29/18</a:t>
+              <a:t>7/2/18</a:t>
             </a:fld>
             <a:endParaRPr lang="en-US"/>
           </a:p>
@@ -2064,7 +2069,7 @@
           <a:p>
             <a:fld id="{30569189-6BC7-954B-B797-3B50F58A8DD6}" type="datetimeFigureOut">
               <a:rPr lang="en-US" smtClean="0"/>
-              <a:t>6/29/18</a:t>
+              <a:t>7/2/18</a:t>
             </a:fld>
             <a:endParaRPr lang="en-US"/>
           </a:p>
@@ -2375,7 +2380,7 @@
           <a:p>
             <a:fld id="{30569189-6BC7-954B-B797-3B50F58A8DD6}" type="datetimeFigureOut">
               <a:rPr lang="en-US" smtClean="0"/>
-              <a:t>6/29/18</a:t>
+              <a:t>7/2/18</a:t>
             </a:fld>
             <a:endParaRPr lang="en-US"/>
           </a:p>
@@ -2663,7 +2668,7 @@
           <a:p>
             <a:fld id="{30569189-6BC7-954B-B797-3B50F58A8DD6}" type="datetimeFigureOut">
               <a:rPr lang="en-US" smtClean="0"/>
-              <a:t>6/29/18</a:t>
+              <a:t>7/2/18</a:t>
             </a:fld>
             <a:endParaRPr lang="en-US"/>
           </a:p>
@@ -2904,7 +2909,7 @@
           <a:p>
             <a:fld id="{30569189-6BC7-954B-B797-3B50F58A8DD6}" type="datetimeFigureOut">
               <a:rPr lang="en-US" smtClean="0"/>
-              <a:t>6/29/18</a:t>
+              <a:t>7/2/18</a:t>
             </a:fld>
             <a:endParaRPr lang="en-US"/>
           </a:p>
@@ -3323,10 +3328,10 @@
       </p:grpSpPr>
       <p:pic>
         <p:nvPicPr>
-          <p:cNvPr id="3" name="Picture 2">
-            <a:extLst>
-              <a:ext uri="{FF2B5EF4-FFF2-40B4-BE49-F238E27FC236}">
-                <a16:creationId xmlns:a16="http://schemas.microsoft.com/office/drawing/2014/main" id="{FEA0DB6C-4CC3-3845-B8F5-13B8E6ECA489}"/>
+          <p:cNvPr id="4" name="Picture 3">
+            <a:extLst>
+              <a:ext uri="{FF2B5EF4-FFF2-40B4-BE49-F238E27FC236}">
+                <a16:creationId xmlns:a16="http://schemas.microsoft.com/office/drawing/2014/main" id="{8772964B-210D-8F40-9D25-B2CC63DB9E90}"/>
               </a:ext>
             </a:extLst>
           </p:cNvPr>
@@ -3335,15 +3340,16 @@
           </p:cNvPicPr>
           <p:nvPr/>
         </p:nvPicPr>
-        <p:blipFill rotWithShape="1">
+        <p:blipFill>
           <a:blip r:embed="rId2"/>
-          <a:srcRect l="19635" t="21424" r="34523" b="3221"/>
-          <a:stretch/>
+          <a:stretch>
+            <a:fillRect/>
+          </a:stretch>
         </p:blipFill>
         <p:spPr>
           <a:xfrm>
-            <a:off x="2178121" y="359595"/>
-            <a:ext cx="5589141" cy="5167902"/>
+            <a:off x="1531276" y="0"/>
+            <a:ext cx="6882829" cy="6882829"/>
           </a:xfrm>
           <a:prstGeom prst="rect">
             <a:avLst/>
@@ -3364,8 +3370,8 @@
         </p:nvSpPr>
         <p:spPr>
           <a:xfrm>
-            <a:off x="2345289" y="453600"/>
-            <a:ext cx="2494679" cy="554400"/>
+            <a:off x="2345289" y="174661"/>
+            <a:ext cx="2627403" cy="1160339"/>
           </a:xfrm>
           <a:prstGeom prst="rect">
             <a:avLst/>
@@ -3416,7 +3422,7 @@
         </p:nvSpPr>
         <p:spPr>
           <a:xfrm rot="2117633">
-            <a:off x="2263604" y="606776"/>
+            <a:off x="1957363" y="725924"/>
             <a:ext cx="2494679" cy="986860"/>
           </a:xfrm>
           <a:prstGeom prst="rect">
@@ -3506,6 +3512,35 @@
           </a:p>
         </p:txBody>
       </p:sp>
+      <p:pic>
+        <p:nvPicPr>
+          <p:cNvPr id="8" name="Picture 7">
+            <a:extLst>
+              <a:ext uri="{FF2B5EF4-FFF2-40B4-BE49-F238E27FC236}">
+                <a16:creationId xmlns:a16="http://schemas.microsoft.com/office/drawing/2014/main" id="{E6786A52-1271-624E-BA19-816C26167B17}"/>
+              </a:ext>
+            </a:extLst>
+          </p:cNvPr>
+          <p:cNvPicPr>
+            <a:picLocks noChangeAspect="1"/>
+          </p:cNvPicPr>
+          <p:nvPr/>
+        </p:nvPicPr>
+        <p:blipFill rotWithShape="1">
+          <a:blip r:embed="rId2"/>
+          <a:srcRect l="64248" t="5690" r="32662" b="92552"/>
+          <a:stretch/>
+        </p:blipFill>
+        <p:spPr>
+          <a:xfrm rot="20361024">
+            <a:off x="4771404" y="236475"/>
+            <a:ext cx="233998" cy="133202"/>
+          </a:xfrm>
+          <a:prstGeom prst="rect">
+            <a:avLst/>
+          </a:prstGeom>
+        </p:spPr>
+      </p:pic>
     </p:spTree>
     <p:extLst>
       <p:ext uri="{BB962C8B-B14F-4D97-AF65-F5344CB8AC3E}">
